--- a/CalendarioEventi_C++.pptx
+++ b/CalendarioEventi_C++.pptx
@@ -110,6 +110,11 @@
       </a:defRPr>
     </a:lvl9pPr>
   </p:defaultTextStyle>
+  <p:extLst>
+    <p:ext uri="{EFAFB233-063F-42B5-8137-9DF3F51BA10A}">
+      <p15:sldGuideLst xmlns:p15="http://schemas.microsoft.com/office/powerpoint/2012/main"/>
+    </p:ext>
+  </p:extLst>
 </p:presentation>
 </file>
 
@@ -338,7 +343,7 @@
             <a:fld id="{5586B75A-687E-405C-8A0B-8D00578BA2C3}" type="datetimeFigureOut">
               <a:rPr lang="en-US" dirty="0"/>
               <a:pPr/>
-              <a:t>7/5/2021</a:t>
+              <a:t>7/16/2021</a:t>
             </a:fld>
             <a:endParaRPr lang="en-US" dirty="0"/>
           </a:p>
@@ -505,7 +510,7 @@
             <a:fld id="{5586B75A-687E-405C-8A0B-8D00578BA2C3}" type="datetimeFigureOut">
               <a:rPr lang="en-US" dirty="0"/>
               <a:pPr/>
-              <a:t>7/5/2021</a:t>
+              <a:t>7/16/2021</a:t>
             </a:fld>
             <a:endParaRPr lang="en-US" dirty="0"/>
           </a:p>
@@ -682,7 +687,7 @@
             <a:fld id="{5586B75A-687E-405C-8A0B-8D00578BA2C3}" type="datetimeFigureOut">
               <a:rPr lang="en-US" dirty="0"/>
               <a:pPr/>
-              <a:t>7/5/2021</a:t>
+              <a:t>7/16/2021</a:t>
             </a:fld>
             <a:endParaRPr lang="en-US" dirty="0"/>
           </a:p>
@@ -849,7 +854,7 @@
             <a:fld id="{5586B75A-687E-405C-8A0B-8D00578BA2C3}" type="datetimeFigureOut">
               <a:rPr lang="en-US" dirty="0"/>
               <a:pPr/>
-              <a:t>7/5/2021</a:t>
+              <a:t>7/16/2021</a:t>
             </a:fld>
             <a:endParaRPr lang="en-US" dirty="0"/>
           </a:p>
@@ -1104,7 +1109,7 @@
             <a:fld id="{5586B75A-687E-405C-8A0B-8D00578BA2C3}" type="datetimeFigureOut">
               <a:rPr lang="en-US" dirty="0"/>
               <a:pPr/>
-              <a:t>7/5/2021</a:t>
+              <a:t>7/16/2021</a:t>
             </a:fld>
             <a:endParaRPr lang="en-US" dirty="0"/>
           </a:p>
@@ -1389,7 +1394,7 @@
             <a:fld id="{5586B75A-687E-405C-8A0B-8D00578BA2C3}" type="datetimeFigureOut">
               <a:rPr lang="en-US" dirty="0"/>
               <a:pPr/>
-              <a:t>7/5/2021</a:t>
+              <a:t>7/16/2021</a:t>
             </a:fld>
             <a:endParaRPr lang="en-US" dirty="0"/>
           </a:p>
@@ -1828,7 +1833,7 @@
             <a:fld id="{5586B75A-687E-405C-8A0B-8D00578BA2C3}" type="datetimeFigureOut">
               <a:rPr lang="en-US" dirty="0"/>
               <a:pPr/>
-              <a:t>7/5/2021</a:t>
+              <a:t>7/16/2021</a:t>
             </a:fld>
             <a:endParaRPr lang="en-US" dirty="0"/>
           </a:p>
@@ -1943,7 +1948,7 @@
             <a:fld id="{5586B75A-687E-405C-8A0B-8D00578BA2C3}" type="datetimeFigureOut">
               <a:rPr lang="en-US" dirty="0"/>
               <a:pPr/>
-              <a:t>7/5/2021</a:t>
+              <a:t>7/16/2021</a:t>
             </a:fld>
             <a:endParaRPr lang="en-US" dirty="0"/>
           </a:p>
@@ -2035,7 +2040,7 @@
             <a:fld id="{5586B75A-687E-405C-8A0B-8D00578BA2C3}" type="datetimeFigureOut">
               <a:rPr lang="en-US" dirty="0"/>
               <a:pPr/>
-              <a:t>7/5/2021</a:t>
+              <a:t>7/16/2021</a:t>
             </a:fld>
             <a:endParaRPr lang="en-US" dirty="0"/>
           </a:p>
@@ -2320,7 +2325,7 @@
             <a:fld id="{5586B75A-687E-405C-8A0B-8D00578BA2C3}" type="datetimeFigureOut">
               <a:rPr lang="en-US" dirty="0"/>
               <a:pPr/>
-              <a:t>7/5/2021</a:t>
+              <a:t>7/16/2021</a:t>
             </a:fld>
             <a:endParaRPr lang="en-US" dirty="0"/>
           </a:p>
@@ -2590,7 +2595,7 @@
             <a:fld id="{5586B75A-687E-405C-8A0B-8D00578BA2C3}" type="datetimeFigureOut">
               <a:rPr lang="en-US" dirty="0"/>
               <a:pPr/>
-              <a:t>7/5/2021</a:t>
+              <a:t>7/16/2021</a:t>
             </a:fld>
             <a:endParaRPr lang="en-US" dirty="0"/>
           </a:p>
@@ -2884,7 +2889,7 @@
             <a:fld id="{5586B75A-687E-405C-8A0B-8D00578BA2C3}" type="datetimeFigureOut">
               <a:rPr lang="en-US" dirty="0"/>
               <a:pPr/>
-              <a:t>7/5/2021</a:t>
+              <a:t>7/16/2021</a:t>
             </a:fld>
             <a:endParaRPr lang="en-US" dirty="0"/>
           </a:p>
@@ -3935,7 +3940,7 @@
           <a:lstStyle/>
           <a:p>
             <a:r>
-              <a:rPr lang="it-IT" sz="1600">
+              <a:rPr lang="it-IT" sz="1600" dirty="0">
                 <a:solidFill>
                   <a:srgbClr val="FFFFFF"/>
                 </a:solidFill>
@@ -3944,11 +3949,83 @@
                 <a:ea typeface="Calibri" panose="020F0502020204030204" pitchFamily="34" charset="0"/>
                 <a:cs typeface="Times New Roman" panose="02020603050405020304" pitchFamily="18" charset="0"/>
               </a:rPr>
-              <a:t>In particolare notiamo il membro stampaEvento(); reso virtual in modo da richiamare la funzione corretta per il tipo di oggetto e non per il contenitore. Non ci limitiamo a rendere virtual solo l’oggetto nella gerarchia più alta, o non saremmo in grado di utilizzare la funzione per gli oggetti figli.</a:t>
-            </a:r>
-          </a:p>
-          <a:p>
-            <a:endParaRPr lang="it-IT" sz="1600">
+              <a:t>In particolare notiamo il membro </a:t>
+            </a:r>
+            <a:r>
+              <a:rPr lang="it-IT" sz="1600" dirty="0" err="1">
+                <a:solidFill>
+                  <a:srgbClr val="FFFFFF"/>
+                </a:solidFill>
+                <a:effectLst/>
+                <a:latin typeface="Calibri" panose="020F0502020204030204" pitchFamily="34" charset="0"/>
+                <a:ea typeface="Calibri" panose="020F0502020204030204" pitchFamily="34" charset="0"/>
+                <a:cs typeface="Times New Roman" panose="02020603050405020304" pitchFamily="18" charset="0"/>
+              </a:rPr>
+              <a:t>stampaEvento</a:t>
+            </a:r>
+            <a:r>
+              <a:rPr lang="it-IT" sz="1600" dirty="0">
+                <a:solidFill>
+                  <a:srgbClr val="FFFFFF"/>
+                </a:solidFill>
+                <a:effectLst/>
+                <a:latin typeface="Calibri" panose="020F0502020204030204" pitchFamily="34" charset="0"/>
+                <a:ea typeface="Calibri" panose="020F0502020204030204" pitchFamily="34" charset="0"/>
+                <a:cs typeface="Times New Roman" panose="02020603050405020304" pitchFamily="18" charset="0"/>
+              </a:rPr>
+              <a:t>(); reso </a:t>
+            </a:r>
+            <a:r>
+              <a:rPr lang="it-IT" sz="1600" dirty="0" err="1">
+                <a:solidFill>
+                  <a:srgbClr val="FFFFFF"/>
+                </a:solidFill>
+                <a:effectLst/>
+                <a:latin typeface="Calibri" panose="020F0502020204030204" pitchFamily="34" charset="0"/>
+                <a:ea typeface="Calibri" panose="020F0502020204030204" pitchFamily="34" charset="0"/>
+                <a:cs typeface="Times New Roman" panose="02020603050405020304" pitchFamily="18" charset="0"/>
+              </a:rPr>
+              <a:t>virtual</a:t>
+            </a:r>
+            <a:r>
+              <a:rPr lang="it-IT" sz="1600" dirty="0">
+                <a:solidFill>
+                  <a:srgbClr val="FFFFFF"/>
+                </a:solidFill>
+                <a:effectLst/>
+                <a:latin typeface="Calibri" panose="020F0502020204030204" pitchFamily="34" charset="0"/>
+                <a:ea typeface="Calibri" panose="020F0502020204030204" pitchFamily="34" charset="0"/>
+                <a:cs typeface="Times New Roman" panose="02020603050405020304" pitchFamily="18" charset="0"/>
+              </a:rPr>
+              <a:t> in modo da richiamare la funzione corretta per il tipo di oggetto e non per il contenitore. Non ci limitiamo a rendere </a:t>
+            </a:r>
+            <a:r>
+              <a:rPr lang="it-IT" sz="1600" dirty="0" err="1">
+                <a:solidFill>
+                  <a:srgbClr val="FFFFFF"/>
+                </a:solidFill>
+                <a:effectLst/>
+                <a:latin typeface="Calibri" panose="020F0502020204030204" pitchFamily="34" charset="0"/>
+                <a:ea typeface="Calibri" panose="020F0502020204030204" pitchFamily="34" charset="0"/>
+                <a:cs typeface="Times New Roman" panose="02020603050405020304" pitchFamily="18" charset="0"/>
+              </a:rPr>
+              <a:t>virtual</a:t>
+            </a:r>
+            <a:r>
+              <a:rPr lang="it-IT" sz="1600" dirty="0">
+                <a:solidFill>
+                  <a:srgbClr val="FFFFFF"/>
+                </a:solidFill>
+                <a:effectLst/>
+                <a:latin typeface="Calibri" panose="020F0502020204030204" pitchFamily="34" charset="0"/>
+                <a:ea typeface="Calibri" panose="020F0502020204030204" pitchFamily="34" charset="0"/>
+                <a:cs typeface="Times New Roman" panose="02020603050405020304" pitchFamily="18" charset="0"/>
+              </a:rPr>
+              <a:t> solo l’oggetto nella gerarchia più alta, o non saremmo in grado di utilizzare la funzione per gli oggetti figli.</a:t>
+            </a:r>
+          </a:p>
+          <a:p>
+            <a:endParaRPr lang="it-IT" sz="1600" dirty="0">
               <a:solidFill>
                 <a:srgbClr val="FFFFFF"/>
               </a:solidFill>
@@ -4101,7 +4178,7 @@
           <a:p>
             <a:r>
               <a:rPr lang="it-IT" sz="2400" dirty="0"/>
-              <a:t>Classi Friend</a:t>
+              <a:t>Classi Template</a:t>
             </a:r>
           </a:p>
         </p:txBody>
@@ -4134,6 +4211,18 @@
           </a:bodyPr>
           <a:lstStyle/>
           <a:p>
+            <a:r>
+              <a:rPr lang="it-IT" sz="1600" dirty="0" err="1">
+                <a:solidFill>
+                  <a:srgbClr val="FFFFFF"/>
+                </a:solidFill>
+                <a:effectLst/>
+                <a:latin typeface="Calibri" panose="020F0502020204030204" pitchFamily="34" charset="0"/>
+                <a:ea typeface="Calibri" panose="020F0502020204030204" pitchFamily="34" charset="0"/>
+                <a:cs typeface="Times New Roman" panose="02020603050405020304" pitchFamily="18" charset="0"/>
+              </a:rPr>
+              <a:t>Evento.h</a:t>
+            </a:r>
             <a:r>
               <a:rPr lang="it-IT" sz="1600" dirty="0">
                 <a:solidFill>
@@ -4144,7 +4233,31 @@
                 <a:ea typeface="Calibri" panose="020F0502020204030204" pitchFamily="34" charset="0"/>
                 <a:cs typeface="Times New Roman" panose="02020603050405020304" pitchFamily="18" charset="0"/>
               </a:rPr>
-              <a:t>Nel componente calendario, dichiariamo la friend class l’istanza superiore (Anno per la classe Mese, Mese per la classe Giorni), in modo da poter nascondere i costruttori con private al di fuori del componente..</a:t>
+              <a:t> è un esempio d’uso di una classe template, utilizzata successivamente per la funzionalità </a:t>
+            </a:r>
+            <a:r>
+              <a:rPr lang="it-IT" sz="1600" dirty="0" err="1">
+                <a:solidFill>
+                  <a:srgbClr val="FFFFFF"/>
+                </a:solidFill>
+                <a:effectLst/>
+                <a:latin typeface="Calibri" panose="020F0502020204030204" pitchFamily="34" charset="0"/>
+                <a:ea typeface="Calibri" panose="020F0502020204030204" pitchFamily="34" charset="0"/>
+                <a:cs typeface="Times New Roman" panose="02020603050405020304" pitchFamily="18" charset="0"/>
+              </a:rPr>
+              <a:t>creaEvento</a:t>
+            </a:r>
+            <a:r>
+              <a:rPr lang="it-IT" sz="1600" dirty="0">
+                <a:solidFill>
+                  <a:srgbClr val="FFFFFF"/>
+                </a:solidFill>
+                <a:effectLst/>
+                <a:latin typeface="Calibri" panose="020F0502020204030204" pitchFamily="34" charset="0"/>
+                <a:ea typeface="Calibri" panose="020F0502020204030204" pitchFamily="34" charset="0"/>
+                <a:cs typeface="Times New Roman" panose="02020603050405020304" pitchFamily="18" charset="0"/>
+              </a:rPr>
+              <a:t>() nella classe Agenda</a:t>
             </a:r>
           </a:p>
           <a:p>
@@ -4158,14 +4271,16 @@
       </p:sp>
       <p:pic>
         <p:nvPicPr>
-          <p:cNvPr id="8" name="Immagine 7">
+          <p:cNvPr id="5" name="Immagine 4">
             <a:extLst>
               <a:ext uri="{FF2B5EF4-FFF2-40B4-BE49-F238E27FC236}">
-                <a16:creationId xmlns:a16="http://schemas.microsoft.com/office/drawing/2014/main" id="{1A02FB0B-24A4-40CF-8B9F-DE2C95D5742C}"/>
+                <a16:creationId xmlns:a16="http://schemas.microsoft.com/office/drawing/2014/main" id="{D730F60F-BF30-4F7A-955A-8E045D38EFD4}"/>
               </a:ext>
             </a:extLst>
           </p:cNvPr>
-          <p:cNvPicPr/>
+          <p:cNvPicPr>
+            <a:picLocks noChangeAspect="1"/>
+          </p:cNvPicPr>
           <p:nvPr/>
         </p:nvPicPr>
         <p:blipFill>
@@ -4176,8 +4291,8 @@
         </p:blipFill>
         <p:spPr>
           <a:xfrm>
-            <a:off x="4114198" y="2619759"/>
-            <a:ext cx="7195486" cy="1618481"/>
+            <a:off x="5254541" y="1138237"/>
+            <a:ext cx="4962525" cy="4581525"/>
           </a:xfrm>
           <a:prstGeom prst="rect">
             <a:avLst/>
